--- a/ppt 16-9/1578.我在这里.pptx
+++ b/ppt 16-9/1578.我在这里.pptx
@@ -129,7 +129,7 @@
           <p:cNvPr id="2" name="标题 1">
             <a:extLst>
               <a:ext uri="{FF2B5EF4-FFF2-40B4-BE49-F238E27FC236}">
-                <a16:creationId xmlns:a16="http://schemas.microsoft.com/office/drawing/2014/main" id="{771BFCAD-6F6C-BAEE-F3E0-CFBC3C7E01FA}"/>
+                <a16:creationId xmlns:a16="http://schemas.microsoft.com/office/drawing/2014/main" id="{84187FF4-8379-82DE-FF57-80DF2F3C96A5}"/>
               </a:ext>
             </a:extLst>
           </p:cNvPr>
@@ -166,7 +166,7 @@
           <p:cNvPr id="3" name="副标题 2">
             <a:extLst>
               <a:ext uri="{FF2B5EF4-FFF2-40B4-BE49-F238E27FC236}">
-                <a16:creationId xmlns:a16="http://schemas.microsoft.com/office/drawing/2014/main" id="{4F79185F-31D1-0A12-7CD9-88B6FDCB3A9C}"/>
+                <a16:creationId xmlns:a16="http://schemas.microsoft.com/office/drawing/2014/main" id="{829433A6-7E22-D283-BCB8-9AEB876920A7}"/>
               </a:ext>
             </a:extLst>
           </p:cNvPr>
@@ -236,7 +236,7 @@
           <p:cNvPr id="4" name="日期占位符 3">
             <a:extLst>
               <a:ext uri="{FF2B5EF4-FFF2-40B4-BE49-F238E27FC236}">
-                <a16:creationId xmlns:a16="http://schemas.microsoft.com/office/drawing/2014/main" id="{6F31681A-0F34-7D83-1834-8E7808CACEBC}"/>
+                <a16:creationId xmlns:a16="http://schemas.microsoft.com/office/drawing/2014/main" id="{FA94FF3B-1DB2-1DD1-9A2F-FE9870561C64}"/>
               </a:ext>
             </a:extLst>
           </p:cNvPr>
@@ -252,7 +252,7 @@
           <a:bodyPr/>
           <a:lstStyle/>
           <a:p>
-            <a:fld id="{38BB0678-FAD7-414E-9FEC-1FE88DA71606}" type="datetimeFigureOut">
+            <a:fld id="{A0B073D8-C3DB-4F17-9C1B-34419CFB3C27}" type="datetimeFigureOut">
               <a:rPr lang="zh-CN" altLang="en-US" smtClean="0"/>
               <a:t>2024/3/10</a:t>
             </a:fld>
@@ -265,7 +265,7 @@
           <p:cNvPr id="5" name="页脚占位符 4">
             <a:extLst>
               <a:ext uri="{FF2B5EF4-FFF2-40B4-BE49-F238E27FC236}">
-                <a16:creationId xmlns:a16="http://schemas.microsoft.com/office/drawing/2014/main" id="{31C19CA1-9907-0A0D-C1CD-14F46688DF06}"/>
+                <a16:creationId xmlns:a16="http://schemas.microsoft.com/office/drawing/2014/main" id="{0D6F8A74-2A58-6BC4-A46C-2C57CEC880A1}"/>
               </a:ext>
             </a:extLst>
           </p:cNvPr>
@@ -290,7 +290,7 @@
           <p:cNvPr id="6" name="灯片编号占位符 5">
             <a:extLst>
               <a:ext uri="{FF2B5EF4-FFF2-40B4-BE49-F238E27FC236}">
-                <a16:creationId xmlns:a16="http://schemas.microsoft.com/office/drawing/2014/main" id="{F8E81C7D-BEBF-A735-85A6-2B43435797A3}"/>
+                <a16:creationId xmlns:a16="http://schemas.microsoft.com/office/drawing/2014/main" id="{15001E22-290C-6380-47FC-B2079F55CCA4}"/>
               </a:ext>
             </a:extLst>
           </p:cNvPr>
@@ -306,7 +306,7 @@
           <a:bodyPr/>
           <a:lstStyle/>
           <a:p>
-            <a:fld id="{EF96D728-CCB9-47EB-9D58-179F44C68A8F}" type="slidenum">
+            <a:fld id="{87466824-6560-45AE-9EF8-BBA394820DF2}" type="slidenum">
               <a:rPr lang="zh-CN" altLang="en-US" smtClean="0"/>
               <a:t>‹#›</a:t>
             </a:fld>
@@ -317,7 +317,7 @@
     </p:spTree>
     <p:extLst>
       <p:ext uri="{BB962C8B-B14F-4D97-AF65-F5344CB8AC3E}">
-        <p14:creationId xmlns:p14="http://schemas.microsoft.com/office/powerpoint/2010/main" val="4054437912"/>
+        <p14:creationId xmlns:p14="http://schemas.microsoft.com/office/powerpoint/2010/main" val="2779456815"/>
       </p:ext>
     </p:extLst>
   </p:cSld>
@@ -349,7 +349,7 @@
           <p:cNvPr id="2" name="标题 1">
             <a:extLst>
               <a:ext uri="{FF2B5EF4-FFF2-40B4-BE49-F238E27FC236}">
-                <a16:creationId xmlns:a16="http://schemas.microsoft.com/office/drawing/2014/main" id="{2CA19CDC-B237-5007-C926-A54822C4B957}"/>
+                <a16:creationId xmlns:a16="http://schemas.microsoft.com/office/drawing/2014/main" id="{B819B421-E006-2083-97B2-8820DE6F5F25}"/>
               </a:ext>
             </a:extLst>
           </p:cNvPr>
@@ -377,7 +377,7 @@
           <p:cNvPr id="3" name="竖排文字占位符 2">
             <a:extLst>
               <a:ext uri="{FF2B5EF4-FFF2-40B4-BE49-F238E27FC236}">
-                <a16:creationId xmlns:a16="http://schemas.microsoft.com/office/drawing/2014/main" id="{3D51E4BE-2280-F8F5-1142-BBC52223AA16}"/>
+                <a16:creationId xmlns:a16="http://schemas.microsoft.com/office/drawing/2014/main" id="{CA0045D0-0B30-76C6-74C3-D4D3941A56A1}"/>
               </a:ext>
             </a:extLst>
           </p:cNvPr>
@@ -434,7 +434,7 @@
           <p:cNvPr id="4" name="日期占位符 3">
             <a:extLst>
               <a:ext uri="{FF2B5EF4-FFF2-40B4-BE49-F238E27FC236}">
-                <a16:creationId xmlns:a16="http://schemas.microsoft.com/office/drawing/2014/main" id="{2096986F-0CE0-22EC-7670-4B57AC1E3A47}"/>
+                <a16:creationId xmlns:a16="http://schemas.microsoft.com/office/drawing/2014/main" id="{3D312B9E-B283-72EA-6544-00D82FCFFA88}"/>
               </a:ext>
             </a:extLst>
           </p:cNvPr>
@@ -450,7 +450,7 @@
           <a:bodyPr/>
           <a:lstStyle/>
           <a:p>
-            <a:fld id="{38BB0678-FAD7-414E-9FEC-1FE88DA71606}" type="datetimeFigureOut">
+            <a:fld id="{A0B073D8-C3DB-4F17-9C1B-34419CFB3C27}" type="datetimeFigureOut">
               <a:rPr lang="zh-CN" altLang="en-US" smtClean="0"/>
               <a:t>2024/3/10</a:t>
             </a:fld>
@@ -463,7 +463,7 @@
           <p:cNvPr id="5" name="页脚占位符 4">
             <a:extLst>
               <a:ext uri="{FF2B5EF4-FFF2-40B4-BE49-F238E27FC236}">
-                <a16:creationId xmlns:a16="http://schemas.microsoft.com/office/drawing/2014/main" id="{ADEDB436-8900-2D44-59A0-D7DA96F161A7}"/>
+                <a16:creationId xmlns:a16="http://schemas.microsoft.com/office/drawing/2014/main" id="{A9238A33-3467-05DE-C5FE-750D68A38E2C}"/>
               </a:ext>
             </a:extLst>
           </p:cNvPr>
@@ -488,7 +488,7 @@
           <p:cNvPr id="6" name="灯片编号占位符 5">
             <a:extLst>
               <a:ext uri="{FF2B5EF4-FFF2-40B4-BE49-F238E27FC236}">
-                <a16:creationId xmlns:a16="http://schemas.microsoft.com/office/drawing/2014/main" id="{9817FE3D-A6D6-F7C4-8400-DBB96A69BA5A}"/>
+                <a16:creationId xmlns:a16="http://schemas.microsoft.com/office/drawing/2014/main" id="{2BD751C6-6D08-47B1-7340-76B514622E29}"/>
               </a:ext>
             </a:extLst>
           </p:cNvPr>
@@ -504,7 +504,7 @@
           <a:bodyPr/>
           <a:lstStyle/>
           <a:p>
-            <a:fld id="{EF96D728-CCB9-47EB-9D58-179F44C68A8F}" type="slidenum">
+            <a:fld id="{87466824-6560-45AE-9EF8-BBA394820DF2}" type="slidenum">
               <a:rPr lang="zh-CN" altLang="en-US" smtClean="0"/>
               <a:t>‹#›</a:t>
             </a:fld>
@@ -515,7 +515,7 @@
     </p:spTree>
     <p:extLst>
       <p:ext uri="{BB962C8B-B14F-4D97-AF65-F5344CB8AC3E}">
-        <p14:creationId xmlns:p14="http://schemas.microsoft.com/office/powerpoint/2010/main" val="3114606665"/>
+        <p14:creationId xmlns:p14="http://schemas.microsoft.com/office/powerpoint/2010/main" val="2180236933"/>
       </p:ext>
     </p:extLst>
   </p:cSld>
@@ -547,7 +547,7 @@
           <p:cNvPr id="2" name="竖排标题 1">
             <a:extLst>
               <a:ext uri="{FF2B5EF4-FFF2-40B4-BE49-F238E27FC236}">
-                <a16:creationId xmlns:a16="http://schemas.microsoft.com/office/drawing/2014/main" id="{73C16FCC-F79B-A560-4541-F90DF595321D}"/>
+                <a16:creationId xmlns:a16="http://schemas.microsoft.com/office/drawing/2014/main" id="{FCA76B94-FDD6-6764-996A-D67DAADCC01F}"/>
               </a:ext>
             </a:extLst>
           </p:cNvPr>
@@ -580,7 +580,7 @@
           <p:cNvPr id="3" name="竖排文字占位符 2">
             <a:extLst>
               <a:ext uri="{FF2B5EF4-FFF2-40B4-BE49-F238E27FC236}">
-                <a16:creationId xmlns:a16="http://schemas.microsoft.com/office/drawing/2014/main" id="{6AAFFED0-627B-5D48-82AB-729043993CF6}"/>
+                <a16:creationId xmlns:a16="http://schemas.microsoft.com/office/drawing/2014/main" id="{1C15D1A5-C457-8242-7090-C786D63A8EB3}"/>
               </a:ext>
             </a:extLst>
           </p:cNvPr>
@@ -642,7 +642,7 @@
           <p:cNvPr id="4" name="日期占位符 3">
             <a:extLst>
               <a:ext uri="{FF2B5EF4-FFF2-40B4-BE49-F238E27FC236}">
-                <a16:creationId xmlns:a16="http://schemas.microsoft.com/office/drawing/2014/main" id="{ED89ED12-F87A-A6CA-E07B-145B505F6DFF}"/>
+                <a16:creationId xmlns:a16="http://schemas.microsoft.com/office/drawing/2014/main" id="{B3097E99-9794-D999-FDFF-718D05275571}"/>
               </a:ext>
             </a:extLst>
           </p:cNvPr>
@@ -658,7 +658,7 @@
           <a:bodyPr/>
           <a:lstStyle/>
           <a:p>
-            <a:fld id="{38BB0678-FAD7-414E-9FEC-1FE88DA71606}" type="datetimeFigureOut">
+            <a:fld id="{A0B073D8-C3DB-4F17-9C1B-34419CFB3C27}" type="datetimeFigureOut">
               <a:rPr lang="zh-CN" altLang="en-US" smtClean="0"/>
               <a:t>2024/3/10</a:t>
             </a:fld>
@@ -671,7 +671,7 @@
           <p:cNvPr id="5" name="页脚占位符 4">
             <a:extLst>
               <a:ext uri="{FF2B5EF4-FFF2-40B4-BE49-F238E27FC236}">
-                <a16:creationId xmlns:a16="http://schemas.microsoft.com/office/drawing/2014/main" id="{6088362F-3EC8-8881-3D17-99B366C6E4F9}"/>
+                <a16:creationId xmlns:a16="http://schemas.microsoft.com/office/drawing/2014/main" id="{6CC84163-9679-D931-CDF6-2DEB021B7DC9}"/>
               </a:ext>
             </a:extLst>
           </p:cNvPr>
@@ -696,7 +696,7 @@
           <p:cNvPr id="6" name="灯片编号占位符 5">
             <a:extLst>
               <a:ext uri="{FF2B5EF4-FFF2-40B4-BE49-F238E27FC236}">
-                <a16:creationId xmlns:a16="http://schemas.microsoft.com/office/drawing/2014/main" id="{375A0421-FC15-EA88-693F-8E85B2C4C9E1}"/>
+                <a16:creationId xmlns:a16="http://schemas.microsoft.com/office/drawing/2014/main" id="{4488BB84-9777-AA4C-5D77-360EFBDBE9E9}"/>
               </a:ext>
             </a:extLst>
           </p:cNvPr>
@@ -712,7 +712,7 @@
           <a:bodyPr/>
           <a:lstStyle/>
           <a:p>
-            <a:fld id="{EF96D728-CCB9-47EB-9D58-179F44C68A8F}" type="slidenum">
+            <a:fld id="{87466824-6560-45AE-9EF8-BBA394820DF2}" type="slidenum">
               <a:rPr lang="zh-CN" altLang="en-US" smtClean="0"/>
               <a:t>‹#›</a:t>
             </a:fld>
@@ -723,7 +723,7 @@
     </p:spTree>
     <p:extLst>
       <p:ext uri="{BB962C8B-B14F-4D97-AF65-F5344CB8AC3E}">
-        <p14:creationId xmlns:p14="http://schemas.microsoft.com/office/powerpoint/2010/main" val="2058886571"/>
+        <p14:creationId xmlns:p14="http://schemas.microsoft.com/office/powerpoint/2010/main" val="2815375668"/>
       </p:ext>
     </p:extLst>
   </p:cSld>
@@ -755,7 +755,7 @@
           <p:cNvPr id="2" name="标题 1">
             <a:extLst>
               <a:ext uri="{FF2B5EF4-FFF2-40B4-BE49-F238E27FC236}">
-                <a16:creationId xmlns:a16="http://schemas.microsoft.com/office/drawing/2014/main" id="{7093995A-135D-2C48-1391-3E46E1917D4A}"/>
+                <a16:creationId xmlns:a16="http://schemas.microsoft.com/office/drawing/2014/main" id="{8D9B17EA-F91A-A17F-6A0A-ADD6D6C0B37E}"/>
               </a:ext>
             </a:extLst>
           </p:cNvPr>
@@ -783,7 +783,7 @@
           <p:cNvPr id="3" name="内容占位符 2">
             <a:extLst>
               <a:ext uri="{FF2B5EF4-FFF2-40B4-BE49-F238E27FC236}">
-                <a16:creationId xmlns:a16="http://schemas.microsoft.com/office/drawing/2014/main" id="{9BF34582-4428-340A-8E20-6F91A3444097}"/>
+                <a16:creationId xmlns:a16="http://schemas.microsoft.com/office/drawing/2014/main" id="{6F612A05-FB75-7EDF-0E26-878300605B49}"/>
               </a:ext>
             </a:extLst>
           </p:cNvPr>
@@ -840,7 +840,7 @@
           <p:cNvPr id="4" name="日期占位符 3">
             <a:extLst>
               <a:ext uri="{FF2B5EF4-FFF2-40B4-BE49-F238E27FC236}">
-                <a16:creationId xmlns:a16="http://schemas.microsoft.com/office/drawing/2014/main" id="{2C926BA3-9BB6-21A1-60BD-5C1E61EEBC78}"/>
+                <a16:creationId xmlns:a16="http://schemas.microsoft.com/office/drawing/2014/main" id="{5C7F3E7E-04D2-3DF1-6C37-6198E07F70B1}"/>
               </a:ext>
             </a:extLst>
           </p:cNvPr>
@@ -856,7 +856,7 @@
           <a:bodyPr/>
           <a:lstStyle/>
           <a:p>
-            <a:fld id="{38BB0678-FAD7-414E-9FEC-1FE88DA71606}" type="datetimeFigureOut">
+            <a:fld id="{A0B073D8-C3DB-4F17-9C1B-34419CFB3C27}" type="datetimeFigureOut">
               <a:rPr lang="zh-CN" altLang="en-US" smtClean="0"/>
               <a:t>2024/3/10</a:t>
             </a:fld>
@@ -869,7 +869,7 @@
           <p:cNvPr id="5" name="页脚占位符 4">
             <a:extLst>
               <a:ext uri="{FF2B5EF4-FFF2-40B4-BE49-F238E27FC236}">
-                <a16:creationId xmlns:a16="http://schemas.microsoft.com/office/drawing/2014/main" id="{D3EEFAA5-6549-C9B4-268C-7A2D52D5A9FC}"/>
+                <a16:creationId xmlns:a16="http://schemas.microsoft.com/office/drawing/2014/main" id="{155B0F72-4C8D-DC89-8B98-61CD9EBAB1B3}"/>
               </a:ext>
             </a:extLst>
           </p:cNvPr>
@@ -894,7 +894,7 @@
           <p:cNvPr id="6" name="灯片编号占位符 5">
             <a:extLst>
               <a:ext uri="{FF2B5EF4-FFF2-40B4-BE49-F238E27FC236}">
-                <a16:creationId xmlns:a16="http://schemas.microsoft.com/office/drawing/2014/main" id="{368899D9-DFB0-F5F1-4B8D-877EEECBE843}"/>
+                <a16:creationId xmlns:a16="http://schemas.microsoft.com/office/drawing/2014/main" id="{716CB2FF-3997-8099-1805-5922AD842E73}"/>
               </a:ext>
             </a:extLst>
           </p:cNvPr>
@@ -910,7 +910,7 @@
           <a:bodyPr/>
           <a:lstStyle/>
           <a:p>
-            <a:fld id="{EF96D728-CCB9-47EB-9D58-179F44C68A8F}" type="slidenum">
+            <a:fld id="{87466824-6560-45AE-9EF8-BBA394820DF2}" type="slidenum">
               <a:rPr lang="zh-CN" altLang="en-US" smtClean="0"/>
               <a:t>‹#›</a:t>
             </a:fld>
@@ -921,7 +921,7 @@
     </p:spTree>
     <p:extLst>
       <p:ext uri="{BB962C8B-B14F-4D97-AF65-F5344CB8AC3E}">
-        <p14:creationId xmlns:p14="http://schemas.microsoft.com/office/powerpoint/2010/main" val="2759633611"/>
+        <p14:creationId xmlns:p14="http://schemas.microsoft.com/office/powerpoint/2010/main" val="2531530653"/>
       </p:ext>
     </p:extLst>
   </p:cSld>
@@ -953,7 +953,7 @@
           <p:cNvPr id="2" name="标题 1">
             <a:extLst>
               <a:ext uri="{FF2B5EF4-FFF2-40B4-BE49-F238E27FC236}">
-                <a16:creationId xmlns:a16="http://schemas.microsoft.com/office/drawing/2014/main" id="{FE4FD4F0-7518-F4AC-B28A-5A3395255005}"/>
+                <a16:creationId xmlns:a16="http://schemas.microsoft.com/office/drawing/2014/main" id="{364910CF-7696-E412-8302-BD6EEC08A163}"/>
               </a:ext>
             </a:extLst>
           </p:cNvPr>
@@ -990,7 +990,7 @@
           <p:cNvPr id="3" name="文本占位符 2">
             <a:extLst>
               <a:ext uri="{FF2B5EF4-FFF2-40B4-BE49-F238E27FC236}">
-                <a16:creationId xmlns:a16="http://schemas.microsoft.com/office/drawing/2014/main" id="{B90B7904-29A0-C6EA-FBBE-3C31EE4A4EF9}"/>
+                <a16:creationId xmlns:a16="http://schemas.microsoft.com/office/drawing/2014/main" id="{66BFC1FF-8A16-EFE1-4D0C-971DECC72450}"/>
               </a:ext>
             </a:extLst>
           </p:cNvPr>
@@ -1115,7 +1115,7 @@
           <p:cNvPr id="4" name="日期占位符 3">
             <a:extLst>
               <a:ext uri="{FF2B5EF4-FFF2-40B4-BE49-F238E27FC236}">
-                <a16:creationId xmlns:a16="http://schemas.microsoft.com/office/drawing/2014/main" id="{F809D878-EEA2-1730-F87D-8DF2F23E852E}"/>
+                <a16:creationId xmlns:a16="http://schemas.microsoft.com/office/drawing/2014/main" id="{95B88A85-2E9F-CF23-94C5-879B24FA8212}"/>
               </a:ext>
             </a:extLst>
           </p:cNvPr>
@@ -1131,7 +1131,7 @@
           <a:bodyPr/>
           <a:lstStyle/>
           <a:p>
-            <a:fld id="{38BB0678-FAD7-414E-9FEC-1FE88DA71606}" type="datetimeFigureOut">
+            <a:fld id="{A0B073D8-C3DB-4F17-9C1B-34419CFB3C27}" type="datetimeFigureOut">
               <a:rPr lang="zh-CN" altLang="en-US" smtClean="0"/>
               <a:t>2024/3/10</a:t>
             </a:fld>
@@ -1144,7 +1144,7 @@
           <p:cNvPr id="5" name="页脚占位符 4">
             <a:extLst>
               <a:ext uri="{FF2B5EF4-FFF2-40B4-BE49-F238E27FC236}">
-                <a16:creationId xmlns:a16="http://schemas.microsoft.com/office/drawing/2014/main" id="{2FC31256-FD6F-AD06-8449-E4A37EB64589}"/>
+                <a16:creationId xmlns:a16="http://schemas.microsoft.com/office/drawing/2014/main" id="{0E7DD102-0E25-0F92-8889-092323BFBC45}"/>
               </a:ext>
             </a:extLst>
           </p:cNvPr>
@@ -1169,7 +1169,7 @@
           <p:cNvPr id="6" name="灯片编号占位符 5">
             <a:extLst>
               <a:ext uri="{FF2B5EF4-FFF2-40B4-BE49-F238E27FC236}">
-                <a16:creationId xmlns:a16="http://schemas.microsoft.com/office/drawing/2014/main" id="{FB59A8A1-BA4B-5C07-A833-2DCDAAE71896}"/>
+                <a16:creationId xmlns:a16="http://schemas.microsoft.com/office/drawing/2014/main" id="{F7A43BA8-4762-C48E-3C58-7CE315F27FEA}"/>
               </a:ext>
             </a:extLst>
           </p:cNvPr>
@@ -1185,7 +1185,7 @@
           <a:bodyPr/>
           <a:lstStyle/>
           <a:p>
-            <a:fld id="{EF96D728-CCB9-47EB-9D58-179F44C68A8F}" type="slidenum">
+            <a:fld id="{87466824-6560-45AE-9EF8-BBA394820DF2}" type="slidenum">
               <a:rPr lang="zh-CN" altLang="en-US" smtClean="0"/>
               <a:t>‹#›</a:t>
             </a:fld>
@@ -1196,7 +1196,7 @@
     </p:spTree>
     <p:extLst>
       <p:ext uri="{BB962C8B-B14F-4D97-AF65-F5344CB8AC3E}">
-        <p14:creationId xmlns:p14="http://schemas.microsoft.com/office/powerpoint/2010/main" val="434700477"/>
+        <p14:creationId xmlns:p14="http://schemas.microsoft.com/office/powerpoint/2010/main" val="4188455358"/>
       </p:ext>
     </p:extLst>
   </p:cSld>
@@ -1228,7 +1228,7 @@
           <p:cNvPr id="2" name="标题 1">
             <a:extLst>
               <a:ext uri="{FF2B5EF4-FFF2-40B4-BE49-F238E27FC236}">
-                <a16:creationId xmlns:a16="http://schemas.microsoft.com/office/drawing/2014/main" id="{52EE58B3-9D9B-91CC-E614-2027B0C7C174}"/>
+                <a16:creationId xmlns:a16="http://schemas.microsoft.com/office/drawing/2014/main" id="{C14DB8AC-97A8-47C1-35AB-655E9C0EE374}"/>
               </a:ext>
             </a:extLst>
           </p:cNvPr>
@@ -1256,7 +1256,7 @@
           <p:cNvPr id="3" name="内容占位符 2">
             <a:extLst>
               <a:ext uri="{FF2B5EF4-FFF2-40B4-BE49-F238E27FC236}">
-                <a16:creationId xmlns:a16="http://schemas.microsoft.com/office/drawing/2014/main" id="{36C75A82-9F31-D345-CB36-E863C78B9840}"/>
+                <a16:creationId xmlns:a16="http://schemas.microsoft.com/office/drawing/2014/main" id="{ED06573A-9AEC-6CA5-D15A-2D34DCF7B30C}"/>
               </a:ext>
             </a:extLst>
           </p:cNvPr>
@@ -1318,7 +1318,7 @@
           <p:cNvPr id="4" name="内容占位符 3">
             <a:extLst>
               <a:ext uri="{FF2B5EF4-FFF2-40B4-BE49-F238E27FC236}">
-                <a16:creationId xmlns:a16="http://schemas.microsoft.com/office/drawing/2014/main" id="{805AAB25-5B6A-0D17-151B-A561114347AB}"/>
+                <a16:creationId xmlns:a16="http://schemas.microsoft.com/office/drawing/2014/main" id="{1AD5292A-19B6-37F4-F2DE-950A859F7F1A}"/>
               </a:ext>
             </a:extLst>
           </p:cNvPr>
@@ -1380,7 +1380,7 @@
           <p:cNvPr id="5" name="日期占位符 4">
             <a:extLst>
               <a:ext uri="{FF2B5EF4-FFF2-40B4-BE49-F238E27FC236}">
-                <a16:creationId xmlns:a16="http://schemas.microsoft.com/office/drawing/2014/main" id="{1C1949D4-79C0-8465-BA58-F86A7D886B96}"/>
+                <a16:creationId xmlns:a16="http://schemas.microsoft.com/office/drawing/2014/main" id="{C7361D49-3469-E364-521D-E61CA592C57C}"/>
               </a:ext>
             </a:extLst>
           </p:cNvPr>
@@ -1396,7 +1396,7 @@
           <a:bodyPr/>
           <a:lstStyle/>
           <a:p>
-            <a:fld id="{38BB0678-FAD7-414E-9FEC-1FE88DA71606}" type="datetimeFigureOut">
+            <a:fld id="{A0B073D8-C3DB-4F17-9C1B-34419CFB3C27}" type="datetimeFigureOut">
               <a:rPr lang="zh-CN" altLang="en-US" smtClean="0"/>
               <a:t>2024/3/10</a:t>
             </a:fld>
@@ -1409,7 +1409,7 @@
           <p:cNvPr id="6" name="页脚占位符 5">
             <a:extLst>
               <a:ext uri="{FF2B5EF4-FFF2-40B4-BE49-F238E27FC236}">
-                <a16:creationId xmlns:a16="http://schemas.microsoft.com/office/drawing/2014/main" id="{7F9C92B1-0609-482A-ABA8-5731945D5C53}"/>
+                <a16:creationId xmlns:a16="http://schemas.microsoft.com/office/drawing/2014/main" id="{4A383FD5-45B4-EFB4-4971-CBAA7A630BFA}"/>
               </a:ext>
             </a:extLst>
           </p:cNvPr>
@@ -1434,7 +1434,7 @@
           <p:cNvPr id="7" name="灯片编号占位符 6">
             <a:extLst>
               <a:ext uri="{FF2B5EF4-FFF2-40B4-BE49-F238E27FC236}">
-                <a16:creationId xmlns:a16="http://schemas.microsoft.com/office/drawing/2014/main" id="{D71A8657-19EC-C667-6396-F6BD4DECE3D9}"/>
+                <a16:creationId xmlns:a16="http://schemas.microsoft.com/office/drawing/2014/main" id="{C4C43FB1-0C37-190D-E514-55A4FD8114CF}"/>
               </a:ext>
             </a:extLst>
           </p:cNvPr>
@@ -1450,7 +1450,7 @@
           <a:bodyPr/>
           <a:lstStyle/>
           <a:p>
-            <a:fld id="{EF96D728-CCB9-47EB-9D58-179F44C68A8F}" type="slidenum">
+            <a:fld id="{87466824-6560-45AE-9EF8-BBA394820DF2}" type="slidenum">
               <a:rPr lang="zh-CN" altLang="en-US" smtClean="0"/>
               <a:t>‹#›</a:t>
             </a:fld>
@@ -1461,7 +1461,7 @@
     </p:spTree>
     <p:extLst>
       <p:ext uri="{BB962C8B-B14F-4D97-AF65-F5344CB8AC3E}">
-        <p14:creationId xmlns:p14="http://schemas.microsoft.com/office/powerpoint/2010/main" val="467374218"/>
+        <p14:creationId xmlns:p14="http://schemas.microsoft.com/office/powerpoint/2010/main" val="980458534"/>
       </p:ext>
     </p:extLst>
   </p:cSld>
@@ -1493,7 +1493,7 @@
           <p:cNvPr id="2" name="标题 1">
             <a:extLst>
               <a:ext uri="{FF2B5EF4-FFF2-40B4-BE49-F238E27FC236}">
-                <a16:creationId xmlns:a16="http://schemas.microsoft.com/office/drawing/2014/main" id="{E3140CAD-F33B-32C1-1005-971D5250FDFE}"/>
+                <a16:creationId xmlns:a16="http://schemas.microsoft.com/office/drawing/2014/main" id="{A850F44F-FFA4-AC78-80F2-0BBEFD5107D5}"/>
               </a:ext>
             </a:extLst>
           </p:cNvPr>
@@ -1526,7 +1526,7 @@
           <p:cNvPr id="3" name="文本占位符 2">
             <a:extLst>
               <a:ext uri="{FF2B5EF4-FFF2-40B4-BE49-F238E27FC236}">
-                <a16:creationId xmlns:a16="http://schemas.microsoft.com/office/drawing/2014/main" id="{EE7822D6-21D7-1EA1-906C-3D3091347F93}"/>
+                <a16:creationId xmlns:a16="http://schemas.microsoft.com/office/drawing/2014/main" id="{7E10AE59-49C3-25C8-C1A1-F26BDC35059E}"/>
               </a:ext>
             </a:extLst>
           </p:cNvPr>
@@ -1597,7 +1597,7 @@
           <p:cNvPr id="4" name="内容占位符 3">
             <a:extLst>
               <a:ext uri="{FF2B5EF4-FFF2-40B4-BE49-F238E27FC236}">
-                <a16:creationId xmlns:a16="http://schemas.microsoft.com/office/drawing/2014/main" id="{7DCE3264-39D2-BF33-BE51-CDE4ACD5645E}"/>
+                <a16:creationId xmlns:a16="http://schemas.microsoft.com/office/drawing/2014/main" id="{43DF2D44-E1DA-DCFC-B6C0-E696A06E08A3}"/>
               </a:ext>
             </a:extLst>
           </p:cNvPr>
@@ -1659,7 +1659,7 @@
           <p:cNvPr id="5" name="文本占位符 4">
             <a:extLst>
               <a:ext uri="{FF2B5EF4-FFF2-40B4-BE49-F238E27FC236}">
-                <a16:creationId xmlns:a16="http://schemas.microsoft.com/office/drawing/2014/main" id="{79DCB4B5-2540-0215-798F-66F973415EE6}"/>
+                <a16:creationId xmlns:a16="http://schemas.microsoft.com/office/drawing/2014/main" id="{625FAA2D-DE75-ACF8-1130-2CF1F78E86D1}"/>
               </a:ext>
             </a:extLst>
           </p:cNvPr>
@@ -1730,7 +1730,7 @@
           <p:cNvPr id="6" name="内容占位符 5">
             <a:extLst>
               <a:ext uri="{FF2B5EF4-FFF2-40B4-BE49-F238E27FC236}">
-                <a16:creationId xmlns:a16="http://schemas.microsoft.com/office/drawing/2014/main" id="{CA151D21-6E67-E06B-8773-0AE59F153B39}"/>
+                <a16:creationId xmlns:a16="http://schemas.microsoft.com/office/drawing/2014/main" id="{526355B5-0625-7AF5-EF4A-907E988904D6}"/>
               </a:ext>
             </a:extLst>
           </p:cNvPr>
@@ -1792,7 +1792,7 @@
           <p:cNvPr id="7" name="日期占位符 6">
             <a:extLst>
               <a:ext uri="{FF2B5EF4-FFF2-40B4-BE49-F238E27FC236}">
-                <a16:creationId xmlns:a16="http://schemas.microsoft.com/office/drawing/2014/main" id="{6FC44025-172E-64B1-780B-38E03355CE6C}"/>
+                <a16:creationId xmlns:a16="http://schemas.microsoft.com/office/drawing/2014/main" id="{224439DD-A5FB-AC87-2C7D-BBEEBFABA52C}"/>
               </a:ext>
             </a:extLst>
           </p:cNvPr>
@@ -1808,7 +1808,7 @@
           <a:bodyPr/>
           <a:lstStyle/>
           <a:p>
-            <a:fld id="{38BB0678-FAD7-414E-9FEC-1FE88DA71606}" type="datetimeFigureOut">
+            <a:fld id="{A0B073D8-C3DB-4F17-9C1B-34419CFB3C27}" type="datetimeFigureOut">
               <a:rPr lang="zh-CN" altLang="en-US" smtClean="0"/>
               <a:t>2024/3/10</a:t>
             </a:fld>
@@ -1821,7 +1821,7 @@
           <p:cNvPr id="8" name="页脚占位符 7">
             <a:extLst>
               <a:ext uri="{FF2B5EF4-FFF2-40B4-BE49-F238E27FC236}">
-                <a16:creationId xmlns:a16="http://schemas.microsoft.com/office/drawing/2014/main" id="{D2C36A86-7412-A491-31F7-E2782D4253F5}"/>
+                <a16:creationId xmlns:a16="http://schemas.microsoft.com/office/drawing/2014/main" id="{A368D0EB-D01B-D46C-17D9-7CA6BE4869DA}"/>
               </a:ext>
             </a:extLst>
           </p:cNvPr>
@@ -1846,7 +1846,7 @@
           <p:cNvPr id="9" name="灯片编号占位符 8">
             <a:extLst>
               <a:ext uri="{FF2B5EF4-FFF2-40B4-BE49-F238E27FC236}">
-                <a16:creationId xmlns:a16="http://schemas.microsoft.com/office/drawing/2014/main" id="{5004045D-E3EE-840B-56D8-9CACEE220A7A}"/>
+                <a16:creationId xmlns:a16="http://schemas.microsoft.com/office/drawing/2014/main" id="{11000C6F-EEDD-4496-4594-EDD6C730E30F}"/>
               </a:ext>
             </a:extLst>
           </p:cNvPr>
@@ -1862,7 +1862,7 @@
           <a:bodyPr/>
           <a:lstStyle/>
           <a:p>
-            <a:fld id="{EF96D728-CCB9-47EB-9D58-179F44C68A8F}" type="slidenum">
+            <a:fld id="{87466824-6560-45AE-9EF8-BBA394820DF2}" type="slidenum">
               <a:rPr lang="zh-CN" altLang="en-US" smtClean="0"/>
               <a:t>‹#›</a:t>
             </a:fld>
@@ -1873,7 +1873,7 @@
     </p:spTree>
     <p:extLst>
       <p:ext uri="{BB962C8B-B14F-4D97-AF65-F5344CB8AC3E}">
-        <p14:creationId xmlns:p14="http://schemas.microsoft.com/office/powerpoint/2010/main" val="1665763240"/>
+        <p14:creationId xmlns:p14="http://schemas.microsoft.com/office/powerpoint/2010/main" val="2279242818"/>
       </p:ext>
     </p:extLst>
   </p:cSld>
@@ -1905,7 +1905,7 @@
           <p:cNvPr id="2" name="标题 1">
             <a:extLst>
               <a:ext uri="{FF2B5EF4-FFF2-40B4-BE49-F238E27FC236}">
-                <a16:creationId xmlns:a16="http://schemas.microsoft.com/office/drawing/2014/main" id="{DA33377C-CA27-7057-C2C8-6A3A6E5A0018}"/>
+                <a16:creationId xmlns:a16="http://schemas.microsoft.com/office/drawing/2014/main" id="{9D2820B0-612F-50C6-4AEC-E03C2948A70B}"/>
               </a:ext>
             </a:extLst>
           </p:cNvPr>
@@ -1933,7 +1933,7 @@
           <p:cNvPr id="3" name="日期占位符 2">
             <a:extLst>
               <a:ext uri="{FF2B5EF4-FFF2-40B4-BE49-F238E27FC236}">
-                <a16:creationId xmlns:a16="http://schemas.microsoft.com/office/drawing/2014/main" id="{E5A888C8-EA73-0BD2-97F6-0EA935966C23}"/>
+                <a16:creationId xmlns:a16="http://schemas.microsoft.com/office/drawing/2014/main" id="{A8DFC30F-F0F9-E74A-8E1B-62C4A7194E19}"/>
               </a:ext>
             </a:extLst>
           </p:cNvPr>
@@ -1949,7 +1949,7 @@
           <a:bodyPr/>
           <a:lstStyle/>
           <a:p>
-            <a:fld id="{38BB0678-FAD7-414E-9FEC-1FE88DA71606}" type="datetimeFigureOut">
+            <a:fld id="{A0B073D8-C3DB-4F17-9C1B-34419CFB3C27}" type="datetimeFigureOut">
               <a:rPr lang="zh-CN" altLang="en-US" smtClean="0"/>
               <a:t>2024/3/10</a:t>
             </a:fld>
@@ -1962,7 +1962,7 @@
           <p:cNvPr id="4" name="页脚占位符 3">
             <a:extLst>
               <a:ext uri="{FF2B5EF4-FFF2-40B4-BE49-F238E27FC236}">
-                <a16:creationId xmlns:a16="http://schemas.microsoft.com/office/drawing/2014/main" id="{88648F60-5C32-121E-C4D9-FEE1A815A5BD}"/>
+                <a16:creationId xmlns:a16="http://schemas.microsoft.com/office/drawing/2014/main" id="{DEE74ED5-DC5E-50C2-9CA3-7F2F70A80817}"/>
               </a:ext>
             </a:extLst>
           </p:cNvPr>
@@ -1987,7 +1987,7 @@
           <p:cNvPr id="5" name="灯片编号占位符 4">
             <a:extLst>
               <a:ext uri="{FF2B5EF4-FFF2-40B4-BE49-F238E27FC236}">
-                <a16:creationId xmlns:a16="http://schemas.microsoft.com/office/drawing/2014/main" id="{BEFDD3F7-F0AE-CDEA-7CD6-C23F8972D32B}"/>
+                <a16:creationId xmlns:a16="http://schemas.microsoft.com/office/drawing/2014/main" id="{CC2912B7-53A4-5DB3-1652-3EE6F224578C}"/>
               </a:ext>
             </a:extLst>
           </p:cNvPr>
@@ -2003,7 +2003,7 @@
           <a:bodyPr/>
           <a:lstStyle/>
           <a:p>
-            <a:fld id="{EF96D728-CCB9-47EB-9D58-179F44C68A8F}" type="slidenum">
+            <a:fld id="{87466824-6560-45AE-9EF8-BBA394820DF2}" type="slidenum">
               <a:rPr lang="zh-CN" altLang="en-US" smtClean="0"/>
               <a:t>‹#›</a:t>
             </a:fld>
@@ -2014,7 +2014,7 @@
     </p:spTree>
     <p:extLst>
       <p:ext uri="{BB962C8B-B14F-4D97-AF65-F5344CB8AC3E}">
-        <p14:creationId xmlns:p14="http://schemas.microsoft.com/office/powerpoint/2010/main" val="3845767217"/>
+        <p14:creationId xmlns:p14="http://schemas.microsoft.com/office/powerpoint/2010/main" val="1615196795"/>
       </p:ext>
     </p:extLst>
   </p:cSld>
@@ -2046,7 +2046,7 @@
           <p:cNvPr id="2" name="日期占位符 1">
             <a:extLst>
               <a:ext uri="{FF2B5EF4-FFF2-40B4-BE49-F238E27FC236}">
-                <a16:creationId xmlns:a16="http://schemas.microsoft.com/office/drawing/2014/main" id="{84184B74-5574-61D4-CB60-DDA18DD2DE87}"/>
+                <a16:creationId xmlns:a16="http://schemas.microsoft.com/office/drawing/2014/main" id="{252114B2-CAD3-95C4-0217-DBE1A864AC2B}"/>
               </a:ext>
             </a:extLst>
           </p:cNvPr>
@@ -2062,7 +2062,7 @@
           <a:bodyPr/>
           <a:lstStyle/>
           <a:p>
-            <a:fld id="{38BB0678-FAD7-414E-9FEC-1FE88DA71606}" type="datetimeFigureOut">
+            <a:fld id="{A0B073D8-C3DB-4F17-9C1B-34419CFB3C27}" type="datetimeFigureOut">
               <a:rPr lang="zh-CN" altLang="en-US" smtClean="0"/>
               <a:t>2024/3/10</a:t>
             </a:fld>
@@ -2075,7 +2075,7 @@
           <p:cNvPr id="3" name="页脚占位符 2">
             <a:extLst>
               <a:ext uri="{FF2B5EF4-FFF2-40B4-BE49-F238E27FC236}">
-                <a16:creationId xmlns:a16="http://schemas.microsoft.com/office/drawing/2014/main" id="{5DB37F9C-8D6E-556F-F9CC-864DA31C3DBE}"/>
+                <a16:creationId xmlns:a16="http://schemas.microsoft.com/office/drawing/2014/main" id="{08AD663D-1E3E-4E74-BD55-A5F83F199304}"/>
               </a:ext>
             </a:extLst>
           </p:cNvPr>
@@ -2100,7 +2100,7 @@
           <p:cNvPr id="4" name="灯片编号占位符 3">
             <a:extLst>
               <a:ext uri="{FF2B5EF4-FFF2-40B4-BE49-F238E27FC236}">
-                <a16:creationId xmlns:a16="http://schemas.microsoft.com/office/drawing/2014/main" id="{8AF3C1F9-5C36-2722-81FE-0C1F85DC75F6}"/>
+                <a16:creationId xmlns:a16="http://schemas.microsoft.com/office/drawing/2014/main" id="{705B631D-8F4B-C4CF-D70F-379A3BA0FB4F}"/>
               </a:ext>
             </a:extLst>
           </p:cNvPr>
@@ -2116,7 +2116,7 @@
           <a:bodyPr/>
           <a:lstStyle/>
           <a:p>
-            <a:fld id="{EF96D728-CCB9-47EB-9D58-179F44C68A8F}" type="slidenum">
+            <a:fld id="{87466824-6560-45AE-9EF8-BBA394820DF2}" type="slidenum">
               <a:rPr lang="zh-CN" altLang="en-US" smtClean="0"/>
               <a:t>‹#›</a:t>
             </a:fld>
@@ -2127,7 +2127,7 @@
     </p:spTree>
     <p:extLst>
       <p:ext uri="{BB962C8B-B14F-4D97-AF65-F5344CB8AC3E}">
-        <p14:creationId xmlns:p14="http://schemas.microsoft.com/office/powerpoint/2010/main" val="721216310"/>
+        <p14:creationId xmlns:p14="http://schemas.microsoft.com/office/powerpoint/2010/main" val="3449650388"/>
       </p:ext>
     </p:extLst>
   </p:cSld>
@@ -2159,7 +2159,7 @@
           <p:cNvPr id="2" name="标题 1">
             <a:extLst>
               <a:ext uri="{FF2B5EF4-FFF2-40B4-BE49-F238E27FC236}">
-                <a16:creationId xmlns:a16="http://schemas.microsoft.com/office/drawing/2014/main" id="{548218C3-78E5-9002-A59B-37E88739A851}"/>
+                <a16:creationId xmlns:a16="http://schemas.microsoft.com/office/drawing/2014/main" id="{2E9B8FD9-6382-71A5-6762-B66602EB4322}"/>
               </a:ext>
             </a:extLst>
           </p:cNvPr>
@@ -2196,7 +2196,7 @@
           <p:cNvPr id="3" name="内容占位符 2">
             <a:extLst>
               <a:ext uri="{FF2B5EF4-FFF2-40B4-BE49-F238E27FC236}">
-                <a16:creationId xmlns:a16="http://schemas.microsoft.com/office/drawing/2014/main" id="{E0445369-49A4-29D2-0AE9-29B50C92449B}"/>
+                <a16:creationId xmlns:a16="http://schemas.microsoft.com/office/drawing/2014/main" id="{26388573-1F6B-D6B4-38FA-80A8F2986305}"/>
               </a:ext>
             </a:extLst>
           </p:cNvPr>
@@ -2286,7 +2286,7 @@
           <p:cNvPr id="4" name="文本占位符 3">
             <a:extLst>
               <a:ext uri="{FF2B5EF4-FFF2-40B4-BE49-F238E27FC236}">
-                <a16:creationId xmlns:a16="http://schemas.microsoft.com/office/drawing/2014/main" id="{D6493FD0-B474-75C5-F719-0E6089FCBDD9}"/>
+                <a16:creationId xmlns:a16="http://schemas.microsoft.com/office/drawing/2014/main" id="{AA6BB218-CCA2-5229-61FD-99E5F8AF44C2}"/>
               </a:ext>
             </a:extLst>
           </p:cNvPr>
@@ -2357,7 +2357,7 @@
           <p:cNvPr id="5" name="日期占位符 4">
             <a:extLst>
               <a:ext uri="{FF2B5EF4-FFF2-40B4-BE49-F238E27FC236}">
-                <a16:creationId xmlns:a16="http://schemas.microsoft.com/office/drawing/2014/main" id="{F5E007C5-DEDA-CA90-D98A-95060708DDB2}"/>
+                <a16:creationId xmlns:a16="http://schemas.microsoft.com/office/drawing/2014/main" id="{D6DA8DBA-9DD0-1C6F-5F6F-8C26E9E146A6}"/>
               </a:ext>
             </a:extLst>
           </p:cNvPr>
@@ -2373,7 +2373,7 @@
           <a:bodyPr/>
           <a:lstStyle/>
           <a:p>
-            <a:fld id="{38BB0678-FAD7-414E-9FEC-1FE88DA71606}" type="datetimeFigureOut">
+            <a:fld id="{A0B073D8-C3DB-4F17-9C1B-34419CFB3C27}" type="datetimeFigureOut">
               <a:rPr lang="zh-CN" altLang="en-US" smtClean="0"/>
               <a:t>2024/3/10</a:t>
             </a:fld>
@@ -2386,7 +2386,7 @@
           <p:cNvPr id="6" name="页脚占位符 5">
             <a:extLst>
               <a:ext uri="{FF2B5EF4-FFF2-40B4-BE49-F238E27FC236}">
-                <a16:creationId xmlns:a16="http://schemas.microsoft.com/office/drawing/2014/main" id="{8C01FBAA-8B74-B5C2-6A01-9872A43E01C6}"/>
+                <a16:creationId xmlns:a16="http://schemas.microsoft.com/office/drawing/2014/main" id="{C7105FB7-1803-FE27-33B7-15FBB18D8D6E}"/>
               </a:ext>
             </a:extLst>
           </p:cNvPr>
@@ -2411,7 +2411,7 @@
           <p:cNvPr id="7" name="灯片编号占位符 6">
             <a:extLst>
               <a:ext uri="{FF2B5EF4-FFF2-40B4-BE49-F238E27FC236}">
-                <a16:creationId xmlns:a16="http://schemas.microsoft.com/office/drawing/2014/main" id="{5775EA13-FD66-7D7E-AD11-0814E99A8D8E}"/>
+                <a16:creationId xmlns:a16="http://schemas.microsoft.com/office/drawing/2014/main" id="{23BA2884-280E-0C46-B988-8EE72F674B55}"/>
               </a:ext>
             </a:extLst>
           </p:cNvPr>
@@ -2427,7 +2427,7 @@
           <a:bodyPr/>
           <a:lstStyle/>
           <a:p>
-            <a:fld id="{EF96D728-CCB9-47EB-9D58-179F44C68A8F}" type="slidenum">
+            <a:fld id="{87466824-6560-45AE-9EF8-BBA394820DF2}" type="slidenum">
               <a:rPr lang="zh-CN" altLang="en-US" smtClean="0"/>
               <a:t>‹#›</a:t>
             </a:fld>
@@ -2438,7 +2438,7 @@
     </p:spTree>
     <p:extLst>
       <p:ext uri="{BB962C8B-B14F-4D97-AF65-F5344CB8AC3E}">
-        <p14:creationId xmlns:p14="http://schemas.microsoft.com/office/powerpoint/2010/main" val="2700863012"/>
+        <p14:creationId xmlns:p14="http://schemas.microsoft.com/office/powerpoint/2010/main" val="808292357"/>
       </p:ext>
     </p:extLst>
   </p:cSld>
@@ -2470,7 +2470,7 @@
           <p:cNvPr id="2" name="标题 1">
             <a:extLst>
               <a:ext uri="{FF2B5EF4-FFF2-40B4-BE49-F238E27FC236}">
-                <a16:creationId xmlns:a16="http://schemas.microsoft.com/office/drawing/2014/main" id="{5D5A95E7-A872-350E-7757-8A11AA7DC13F}"/>
+                <a16:creationId xmlns:a16="http://schemas.microsoft.com/office/drawing/2014/main" id="{B3CA5CEA-D6E1-E66D-56EA-F0D574DCA304}"/>
               </a:ext>
             </a:extLst>
           </p:cNvPr>
@@ -2507,7 +2507,7 @@
           <p:cNvPr id="3" name="图片占位符 2">
             <a:extLst>
               <a:ext uri="{FF2B5EF4-FFF2-40B4-BE49-F238E27FC236}">
-                <a16:creationId xmlns:a16="http://schemas.microsoft.com/office/drawing/2014/main" id="{43AA67C7-7227-D40F-B8A8-DDBC50BA87C9}"/>
+                <a16:creationId xmlns:a16="http://schemas.microsoft.com/office/drawing/2014/main" id="{CB2B978C-36F5-DE8C-34E2-43A8C852A63C}"/>
               </a:ext>
             </a:extLst>
           </p:cNvPr>
@@ -2574,7 +2574,7 @@
           <p:cNvPr id="4" name="文本占位符 3">
             <a:extLst>
               <a:ext uri="{FF2B5EF4-FFF2-40B4-BE49-F238E27FC236}">
-                <a16:creationId xmlns:a16="http://schemas.microsoft.com/office/drawing/2014/main" id="{4A93ECEA-5EE4-0456-2E85-2B433975358B}"/>
+                <a16:creationId xmlns:a16="http://schemas.microsoft.com/office/drawing/2014/main" id="{BFD53628-6B1C-D692-005B-59A0091EEE15}"/>
               </a:ext>
             </a:extLst>
           </p:cNvPr>
@@ -2645,7 +2645,7 @@
           <p:cNvPr id="5" name="日期占位符 4">
             <a:extLst>
               <a:ext uri="{FF2B5EF4-FFF2-40B4-BE49-F238E27FC236}">
-                <a16:creationId xmlns:a16="http://schemas.microsoft.com/office/drawing/2014/main" id="{9F15DC1F-7D70-F5FF-B6BA-27A5F96648A6}"/>
+                <a16:creationId xmlns:a16="http://schemas.microsoft.com/office/drawing/2014/main" id="{2FACD54F-4B35-C0CD-C722-4474B1CC4933}"/>
               </a:ext>
             </a:extLst>
           </p:cNvPr>
@@ -2661,7 +2661,7 @@
           <a:bodyPr/>
           <a:lstStyle/>
           <a:p>
-            <a:fld id="{38BB0678-FAD7-414E-9FEC-1FE88DA71606}" type="datetimeFigureOut">
+            <a:fld id="{A0B073D8-C3DB-4F17-9C1B-34419CFB3C27}" type="datetimeFigureOut">
               <a:rPr lang="zh-CN" altLang="en-US" smtClean="0"/>
               <a:t>2024/3/10</a:t>
             </a:fld>
@@ -2674,7 +2674,7 @@
           <p:cNvPr id="6" name="页脚占位符 5">
             <a:extLst>
               <a:ext uri="{FF2B5EF4-FFF2-40B4-BE49-F238E27FC236}">
-                <a16:creationId xmlns:a16="http://schemas.microsoft.com/office/drawing/2014/main" id="{48B61385-63E1-39D3-61B0-12B59E381506}"/>
+                <a16:creationId xmlns:a16="http://schemas.microsoft.com/office/drawing/2014/main" id="{87D58D26-CB32-E0DA-DED8-011E4C5AA16C}"/>
               </a:ext>
             </a:extLst>
           </p:cNvPr>
@@ -2699,7 +2699,7 @@
           <p:cNvPr id="7" name="灯片编号占位符 6">
             <a:extLst>
               <a:ext uri="{FF2B5EF4-FFF2-40B4-BE49-F238E27FC236}">
-                <a16:creationId xmlns:a16="http://schemas.microsoft.com/office/drawing/2014/main" id="{6A7CF977-B227-705A-D07A-96BD9C8B7018}"/>
+                <a16:creationId xmlns:a16="http://schemas.microsoft.com/office/drawing/2014/main" id="{E6B3BAF0-7B95-6B1F-8D87-FE56D15C601C}"/>
               </a:ext>
             </a:extLst>
           </p:cNvPr>
@@ -2715,7 +2715,7 @@
           <a:bodyPr/>
           <a:lstStyle/>
           <a:p>
-            <a:fld id="{EF96D728-CCB9-47EB-9D58-179F44C68A8F}" type="slidenum">
+            <a:fld id="{87466824-6560-45AE-9EF8-BBA394820DF2}" type="slidenum">
               <a:rPr lang="zh-CN" altLang="en-US" smtClean="0"/>
               <a:t>‹#›</a:t>
             </a:fld>
@@ -2726,7 +2726,7 @@
     </p:spTree>
     <p:extLst>
       <p:ext uri="{BB962C8B-B14F-4D97-AF65-F5344CB8AC3E}">
-        <p14:creationId xmlns:p14="http://schemas.microsoft.com/office/powerpoint/2010/main" val="2685833062"/>
+        <p14:creationId xmlns:p14="http://schemas.microsoft.com/office/powerpoint/2010/main" val="946508534"/>
       </p:ext>
     </p:extLst>
   </p:cSld>
@@ -2763,7 +2763,7 @@
           <p:cNvPr id="2" name="标题占位符 1">
             <a:extLst>
               <a:ext uri="{FF2B5EF4-FFF2-40B4-BE49-F238E27FC236}">
-                <a16:creationId xmlns:a16="http://schemas.microsoft.com/office/drawing/2014/main" id="{AF895712-C920-FE4E-1A1E-AA36D6BE86AE}"/>
+                <a16:creationId xmlns:a16="http://schemas.microsoft.com/office/drawing/2014/main" id="{0D763D3E-3275-29E8-5346-4101AA8DDAAE}"/>
               </a:ext>
             </a:extLst>
           </p:cNvPr>
@@ -2801,7 +2801,7 @@
           <p:cNvPr id="3" name="文本占位符 2">
             <a:extLst>
               <a:ext uri="{FF2B5EF4-FFF2-40B4-BE49-F238E27FC236}">
-                <a16:creationId xmlns:a16="http://schemas.microsoft.com/office/drawing/2014/main" id="{7A284596-353C-4862-0218-1BB3D8B7AFD6}"/>
+                <a16:creationId xmlns:a16="http://schemas.microsoft.com/office/drawing/2014/main" id="{3D790CE7-0252-D60B-23BD-131D14D7FAB2}"/>
               </a:ext>
             </a:extLst>
           </p:cNvPr>
@@ -2868,7 +2868,7 @@
           <p:cNvPr id="4" name="日期占位符 3">
             <a:extLst>
               <a:ext uri="{FF2B5EF4-FFF2-40B4-BE49-F238E27FC236}">
-                <a16:creationId xmlns:a16="http://schemas.microsoft.com/office/drawing/2014/main" id="{320AD72D-A2A7-7137-B09B-2EB7ACB4C1F6}"/>
+                <a16:creationId xmlns:a16="http://schemas.microsoft.com/office/drawing/2014/main" id="{26C1BB39-E9EC-6133-E2FC-87BAFABCA195}"/>
               </a:ext>
             </a:extLst>
           </p:cNvPr>
@@ -2902,7 +2902,7 @@
             </a:lvl1pPr>
           </a:lstStyle>
           <a:p>
-            <a:fld id="{38BB0678-FAD7-414E-9FEC-1FE88DA71606}" type="datetimeFigureOut">
+            <a:fld id="{A0B073D8-C3DB-4F17-9C1B-34419CFB3C27}" type="datetimeFigureOut">
               <a:rPr lang="zh-CN" altLang="en-US" smtClean="0"/>
               <a:t>2024/3/10</a:t>
             </a:fld>
@@ -2915,7 +2915,7 @@
           <p:cNvPr id="5" name="页脚占位符 4">
             <a:extLst>
               <a:ext uri="{FF2B5EF4-FFF2-40B4-BE49-F238E27FC236}">
-                <a16:creationId xmlns:a16="http://schemas.microsoft.com/office/drawing/2014/main" id="{CF6631EE-A690-D7E1-6861-7787DEE5E378}"/>
+                <a16:creationId xmlns:a16="http://schemas.microsoft.com/office/drawing/2014/main" id="{63BA09AD-9E12-45A4-83D7-0F5BE7462531}"/>
               </a:ext>
             </a:extLst>
           </p:cNvPr>
@@ -2958,7 +2958,7 @@
           <p:cNvPr id="6" name="灯片编号占位符 5">
             <a:extLst>
               <a:ext uri="{FF2B5EF4-FFF2-40B4-BE49-F238E27FC236}">
-                <a16:creationId xmlns:a16="http://schemas.microsoft.com/office/drawing/2014/main" id="{85D1063E-4795-4D44-B9EA-EA7BF6245A8B}"/>
+                <a16:creationId xmlns:a16="http://schemas.microsoft.com/office/drawing/2014/main" id="{C28287FB-7983-961E-C978-0A81F6E6B933}"/>
               </a:ext>
             </a:extLst>
           </p:cNvPr>
@@ -2992,7 +2992,7 @@
             </a:lvl1pPr>
           </a:lstStyle>
           <a:p>
-            <a:fld id="{EF96D728-CCB9-47EB-9D58-179F44C68A8F}" type="slidenum">
+            <a:fld id="{87466824-6560-45AE-9EF8-BBA394820DF2}" type="slidenum">
               <a:rPr lang="zh-CN" altLang="en-US" smtClean="0"/>
               <a:t>‹#›</a:t>
             </a:fld>
@@ -3003,7 +3003,7 @@
     </p:spTree>
     <p:extLst>
       <p:ext uri="{BB962C8B-B14F-4D97-AF65-F5344CB8AC3E}">
-        <p14:creationId xmlns:p14="http://schemas.microsoft.com/office/powerpoint/2010/main" val="3352363981"/>
+        <p14:creationId xmlns:p14="http://schemas.microsoft.com/office/powerpoint/2010/main" val="1202400026"/>
       </p:ext>
     </p:extLst>
   </p:cSld>
